--- a/Slide & diagrams/3N Slide.pptx
+++ b/Slide & diagrams/3N Slide.pptx
@@ -5,29 +5,28 @@
     <p:sldMasterId id="2147483795" r:id="rId1"/>
   </p:sldMasterIdLst>
   <p:notesMasterIdLst>
-    <p:notesMasterId r:id="rId22"/>
+    <p:notesMasterId r:id="rId21"/>
   </p:notesMasterIdLst>
   <p:sldIdLst>
     <p:sldId id="256" r:id="rId2"/>
     <p:sldId id="257" r:id="rId3"/>
     <p:sldId id="293" r:id="rId4"/>
-    <p:sldId id="258" r:id="rId5"/>
-    <p:sldId id="259" r:id="rId6"/>
-    <p:sldId id="260" r:id="rId7"/>
-    <p:sldId id="261" r:id="rId8"/>
-    <p:sldId id="262" r:id="rId9"/>
-    <p:sldId id="296" r:id="rId10"/>
-    <p:sldId id="294" r:id="rId11"/>
-    <p:sldId id="297" r:id="rId12"/>
-    <p:sldId id="295" r:id="rId13"/>
-    <p:sldId id="264" r:id="rId14"/>
-    <p:sldId id="265" r:id="rId15"/>
-    <p:sldId id="266" r:id="rId16"/>
-    <p:sldId id="289" r:id="rId17"/>
-    <p:sldId id="290" r:id="rId18"/>
-    <p:sldId id="268" r:id="rId19"/>
-    <p:sldId id="291" r:id="rId20"/>
-    <p:sldId id="292" r:id="rId21"/>
+    <p:sldId id="261" r:id="rId5"/>
+    <p:sldId id="258" r:id="rId6"/>
+    <p:sldId id="259" r:id="rId7"/>
+    <p:sldId id="262" r:id="rId8"/>
+    <p:sldId id="296" r:id="rId9"/>
+    <p:sldId id="294" r:id="rId10"/>
+    <p:sldId id="297" r:id="rId11"/>
+    <p:sldId id="295" r:id="rId12"/>
+    <p:sldId id="264" r:id="rId13"/>
+    <p:sldId id="298" r:id="rId14"/>
+    <p:sldId id="266" r:id="rId15"/>
+    <p:sldId id="289" r:id="rId16"/>
+    <p:sldId id="290" r:id="rId17"/>
+    <p:sldId id="268" r:id="rId18"/>
+    <p:sldId id="291" r:id="rId19"/>
+    <p:sldId id="292" r:id="rId20"/>
   </p:sldIdLst>
   <p:sldSz cx="12192000" cy="6858000"/>
   <p:notesSz cx="6858000" cy="9144000"/>
@@ -4367,7 +4366,7 @@
           <a:p>
             <a:fld id="{BDB16EA1-3DC5-4AD8-85AB-ACEC6E472AD8}" type="datetimeFigureOut">
               <a:rPr lang="en-US" smtClean="0"/>
-              <a:t>9/16/23</a:t>
+              <a:t>9/17/23</a:t>
             </a:fld>
             <a:endParaRPr lang="en-US"/>
           </a:p>
@@ -4699,7 +4698,7 @@
           <a:p>
             <a:fld id="{FF04906B-C7DD-2343-9E32-24DCE4FA6C71}" type="slidenum">
               <a:rPr lang="en-US" smtClean="0"/>
-              <a:t>16</a:t>
+              <a:t>15</a:t>
             </a:fld>
             <a:endParaRPr lang="en-US"/>
           </a:p>
@@ -4944,7 +4943,7 @@
           <a:p>
             <a:fld id="{2395C5C9-164C-46B3-A87E-7660D39D3106}" type="datetime2">
               <a:rPr lang="en-US" smtClean="0"/>
-              <a:t>Saturday, September 16, 2023</a:t>
+              <a:t>Sunday, September 17, 2023</a:t>
             </a:fld>
             <a:endParaRPr lang="en-US" dirty="0"/>
           </a:p>
@@ -5157,7 +5156,7 @@
           <a:p>
             <a:fld id="{5B75179A-1E2B-41AB-B400-4F1B4022FAEE}" type="datetime2">
               <a:rPr lang="en-US" smtClean="0"/>
-              <a:t>Saturday, September 16, 2023</a:t>
+              <a:t>Sunday, September 17, 2023</a:t>
             </a:fld>
             <a:endParaRPr lang="en-US"/>
           </a:p>
@@ -5416,7 +5415,7 @@
           <a:p>
             <a:fld id="{05681D0F-6595-4F14-8EF3-954CD87C797B}" type="datetime2">
               <a:rPr lang="en-US" smtClean="0"/>
-              <a:t>Saturday, September 16, 2023</a:t>
+              <a:t>Sunday, September 17, 2023</a:t>
             </a:fld>
             <a:endParaRPr lang="en-US"/>
           </a:p>
@@ -5593,7 +5592,7 @@
           <a:p>
             <a:fld id="{4DDCFF8A-AAF8-4A12-8A91-9CA0EAF6CBB9}" type="datetime2">
               <a:rPr lang="en-US" smtClean="0"/>
-              <a:t>Saturday, September 16, 2023</a:t>
+              <a:t>Sunday, September 17, 2023</a:t>
             </a:fld>
             <a:endParaRPr lang="en-US" dirty="0"/>
           </a:p>
@@ -5941,7 +5940,7 @@
           <a:p>
             <a:fld id="{ABCC25C3-021A-4B0B-8F70-0C181FE1CF45}" type="datetime2">
               <a:rPr lang="en-US" smtClean="0"/>
-              <a:t>Saturday, September 16, 2023</a:t>
+              <a:t>Sunday, September 17, 2023</a:t>
             </a:fld>
             <a:endParaRPr lang="en-US"/>
           </a:p>
@@ -6221,7 +6220,7 @@
           <a:p>
             <a:fld id="{0C23D88D-8CEC-4ED9-A53B-5596187D9A16}" type="datetime2">
               <a:rPr lang="en-US" smtClean="0"/>
-              <a:t>Saturday, September 16, 2023</a:t>
+              <a:t>Sunday, September 17, 2023</a:t>
             </a:fld>
             <a:endParaRPr lang="en-US"/>
           </a:p>
@@ -6603,7 +6602,7 @@
           <a:p>
             <a:fld id="{D2CCD382-DFDA-4722-A27A-59C21AD112F2}" type="datetime2">
               <a:rPr lang="en-US" smtClean="0"/>
-              <a:t>Saturday, September 16, 2023</a:t>
+              <a:t>Sunday, September 17, 2023</a:t>
             </a:fld>
             <a:endParaRPr lang="en-US"/>
           </a:p>
@@ -6724,7 +6723,7 @@
           <a:p>
             <a:fld id="{22F2A30D-1C09-413F-AAB1-38F366000715}" type="datetime2">
               <a:rPr lang="en-US" smtClean="0"/>
-              <a:t>Saturday, September 16, 2023</a:t>
+              <a:t>Sunday, September 17, 2023</a:t>
             </a:fld>
             <a:endParaRPr lang="en-US"/>
           </a:p>
@@ -6898,7 +6897,7 @@
           <a:p>
             <a:fld id="{6DB82B9C-D65E-4F64-95C3-B10F3B00F0D9}" type="datetime2">
               <a:rPr lang="en-US" smtClean="0"/>
-              <a:t>Saturday, September 16, 2023</a:t>
+              <a:t>Sunday, September 17, 2023</a:t>
             </a:fld>
             <a:endParaRPr lang="en-US"/>
           </a:p>
@@ -7255,7 +7254,7 @@
           <a:p>
             <a:fld id="{B7F5FDCC-6AAC-4A08-B9E0-3793AB5E64C3}" type="datetime2">
               <a:rPr lang="en-US" smtClean="0"/>
-              <a:t>Saturday, September 16, 2023</a:t>
+              <a:t>Sunday, September 17, 2023</a:t>
             </a:fld>
             <a:endParaRPr lang="en-US"/>
           </a:p>
@@ -7640,7 +7639,7 @@
           <a:p>
             <a:fld id="{349FE94D-439C-40F1-900E-BC07940E3988}" type="datetime2">
               <a:rPr lang="en-US" smtClean="0"/>
-              <a:t>Saturday, September 16, 2023</a:t>
+              <a:t>Sunday, September 17, 2023</a:t>
             </a:fld>
             <a:endParaRPr lang="en-US"/>
           </a:p>
@@ -7930,7 +7929,7 @@
           <a:p>
             <a:fld id="{8DEA2CF1-0EB2-4673-802D-3371233E4A77}" type="datetime2">
               <a:rPr lang="en-US" smtClean="0"/>
-              <a:t>Saturday, September 16, 2023</a:t>
+              <a:t>Sunday, September 17, 2023</a:t>
             </a:fld>
             <a:endParaRPr lang="en-US" dirty="0"/>
           </a:p>
@@ -9054,270 +9053,6 @@
       </p:grpSpPr>
       <p:sp>
         <p:nvSpPr>
-          <p:cNvPr id="2" name="Title 1">
-            <a:extLst>
-              <a:ext uri="{FF2B5EF4-FFF2-40B4-BE49-F238E27FC236}">
-                <a16:creationId xmlns:a16="http://schemas.microsoft.com/office/drawing/2014/main" id="{6892F569-65D6-A2F3-AFB7-C985B055A2BC}"/>
-              </a:ext>
-            </a:extLst>
-          </p:cNvPr>
-          <p:cNvSpPr>
-            <a:spLocks noGrp="1"/>
-          </p:cNvSpPr>
-          <p:nvPr>
-            <p:ph type="title"/>
-          </p:nvPr>
-        </p:nvSpPr>
-        <p:spPr/>
-        <p:txBody>
-          <a:bodyPr/>
-          <a:lstStyle/>
-          <a:p>
-            <a:r>
-              <a:rPr lang="en-US" dirty="0" err="1"/>
-              <a:t>Usecase</a:t>
-            </a:r>
-            <a:r>
-              <a:rPr lang="en-US" dirty="0"/>
-              <a:t> Description: Add Book </a:t>
-            </a:r>
-          </a:p>
-        </p:txBody>
-      </p:sp>
-      <p:graphicFrame>
-        <p:nvGraphicFramePr>
-          <p:cNvPr id="4" name="Table 7">
-            <a:extLst>
-              <a:ext uri="{FF2B5EF4-FFF2-40B4-BE49-F238E27FC236}">
-                <a16:creationId xmlns:a16="http://schemas.microsoft.com/office/drawing/2014/main" id="{CCF1B50C-EA8F-1133-D409-284A60E342F6}"/>
-              </a:ext>
-            </a:extLst>
-          </p:cNvPr>
-          <p:cNvGraphicFramePr>
-            <a:graphicFrameLocks/>
-          </p:cNvGraphicFramePr>
-          <p:nvPr>
-            <p:extLst>
-              <p:ext uri="{D42A27DB-BD31-4B8C-83A1-F6EECF244321}">
-                <p14:modId xmlns:p14="http://schemas.microsoft.com/office/powerpoint/2010/main" val="2033133299"/>
-              </p:ext>
-            </p:extLst>
-          </p:nvPr>
-        </p:nvGraphicFramePr>
-        <p:xfrm>
-          <a:off x="906780" y="1897056"/>
-          <a:ext cx="10378441" cy="3063888"/>
-        </p:xfrm>
-        <a:graphic>
-          <a:graphicData uri="http://schemas.openxmlformats.org/drawingml/2006/table">
-            <a:tbl>
-              <a:tblPr firstRow="1" bandRow="1">
-                <a:tableStyleId>{5C22544A-7EE6-4342-B048-85BDC9FD1C3A}</a:tableStyleId>
-              </a:tblPr>
-              <a:tblGrid>
-                <a:gridCol w="5045685">
-                  <a:extLst>
-                    <a:ext uri="{9D8B030D-6E8A-4147-A177-3AD203B41FA5}">
-                      <a16:colId xmlns:a16="http://schemas.microsoft.com/office/drawing/2014/main" val="3138249905"/>
-                    </a:ext>
-                  </a:extLst>
-                </a:gridCol>
-                <a:gridCol w="5332756">
-                  <a:extLst>
-                    <a:ext uri="{9D8B030D-6E8A-4147-A177-3AD203B41FA5}">
-                      <a16:colId xmlns:a16="http://schemas.microsoft.com/office/drawing/2014/main" val="2553994940"/>
-                    </a:ext>
-                  </a:extLst>
-                </a:gridCol>
-              </a:tblGrid>
-              <a:tr h="534965">
-                <a:tc>
-                  <a:txBody>
-                    <a:bodyPr/>
-                    <a:lstStyle/>
-                    <a:p>
-                      <a:r>
-                        <a:rPr lang="en-US" sz="2400" dirty="0"/>
-                        <a:t>User Action</a:t>
-                      </a:r>
-                    </a:p>
-                  </a:txBody>
-                  <a:tcPr marL="121583" marR="121583" marT="60791" marB="60791"/>
-                </a:tc>
-                <a:tc>
-                  <a:txBody>
-                    <a:bodyPr/>
-                    <a:lstStyle/>
-                    <a:p>
-                      <a:r>
-                        <a:rPr lang="en-US" sz="2400" dirty="0"/>
-                        <a:t>System Response</a:t>
-                      </a:r>
-                    </a:p>
-                  </a:txBody>
-                  <a:tcPr marL="121583" marR="121583" marT="60791" marB="60791"/>
-                </a:tc>
-                <a:extLst>
-                  <a:ext uri="{0D108BD9-81ED-4DB2-BD59-A6C34878D82A}">
-                    <a16:rowId xmlns:a16="http://schemas.microsoft.com/office/drawing/2014/main" val="3952563860"/>
-                  </a:ext>
-                </a:extLst>
-              </a:tr>
-              <a:tr h="899713">
-                <a:tc>
-                  <a:txBody>
-                    <a:bodyPr/>
-                    <a:lstStyle/>
-                    <a:p>
-                      <a:r>
-                        <a:rPr lang="en-US" sz="2400" dirty="0"/>
-                        <a:t>User clicks on Add book button</a:t>
-                      </a:r>
-                    </a:p>
-                  </a:txBody>
-                  <a:tcPr marL="121583" marR="121583" marT="60791" marB="60791"/>
-                </a:tc>
-                <a:tc>
-                  <a:txBody>
-                    <a:bodyPr/>
-                    <a:lstStyle/>
-                    <a:p>
-                      <a:r>
-                        <a:rPr lang="en-US" sz="2400" dirty="0"/>
-                        <a:t>System opens the Add Book dialog</a:t>
-                      </a:r>
-                    </a:p>
-                  </a:txBody>
-                  <a:tcPr marL="121583" marR="121583" marT="60791" marB="60791"/>
-                </a:tc>
-                <a:extLst>
-                  <a:ext uri="{0D108BD9-81ED-4DB2-BD59-A6C34878D82A}">
-                    <a16:rowId xmlns:a16="http://schemas.microsoft.com/office/drawing/2014/main" val="1121593986"/>
-                  </a:ext>
-                </a:extLst>
-              </a:tr>
-              <a:tr h="1629210">
-                <a:tc>
-                  <a:txBody>
-                    <a:bodyPr/>
-                    <a:lstStyle/>
-                    <a:p>
-                      <a:r>
-                        <a:rPr lang="en-US" sz="2400" dirty="0"/>
-                        <a:t>User inputs all the fields and clicks on submit button</a:t>
-                      </a:r>
-                    </a:p>
-                  </a:txBody>
-                  <a:tcPr marL="121583" marR="121583" marT="60791" marB="60791"/>
-                </a:tc>
-                <a:tc>
-                  <a:txBody>
-                    <a:bodyPr/>
-                    <a:lstStyle/>
-                    <a:p>
-                      <a:r>
-                        <a:rPr lang="en-US" sz="2400" dirty="0"/>
-                        <a:t>System validates all the fields, if all the fields are valid then add a new book and close the dialog.</a:t>
-                      </a:r>
-                    </a:p>
-                  </a:txBody>
-                  <a:tcPr marL="121583" marR="121583" marT="60791" marB="60791"/>
-                </a:tc>
-                <a:extLst>
-                  <a:ext uri="{0D108BD9-81ED-4DB2-BD59-A6C34878D82A}">
-                    <a16:rowId xmlns:a16="http://schemas.microsoft.com/office/drawing/2014/main" val="2507440164"/>
-                  </a:ext>
-                </a:extLst>
-              </a:tr>
-            </a:tbl>
-          </a:graphicData>
-        </a:graphic>
-      </p:graphicFrame>
-      <p:sp>
-        <p:nvSpPr>
-          <p:cNvPr id="5" name="Rectangle 4">
-            <a:extLst>
-              <a:ext uri="{FF2B5EF4-FFF2-40B4-BE49-F238E27FC236}">
-                <a16:creationId xmlns:a16="http://schemas.microsoft.com/office/drawing/2014/main" id="{4C462DB1-ADC3-7485-E4CE-022B25BCB229}"/>
-              </a:ext>
-            </a:extLst>
-          </p:cNvPr>
-          <p:cNvSpPr/>
-          <p:nvPr/>
-        </p:nvSpPr>
-        <p:spPr>
-          <a:xfrm>
-            <a:off x="4194258" y="6217249"/>
-            <a:ext cx="4540475" cy="769441"/>
-          </a:xfrm>
-          <a:prstGeom prst="rect">
-            <a:avLst/>
-          </a:prstGeom>
-          <a:noFill/>
-        </p:spPr>
-        <p:txBody>
-          <a:bodyPr wrap="none" lIns="91440" tIns="45720" rIns="91440" bIns="45720">
-            <a:spAutoFit/>
-          </a:bodyPr>
-          <a:lstStyle/>
-          <a:p>
-            <a:pPr algn="ctr"/>
-            <a:r>
-              <a:rPr lang="en-US" sz="4400" b="1" cap="none" spc="0" dirty="0">
-                <a:ln w="10160">
-                  <a:solidFill>
-                    <a:schemeClr val="accent5"/>
-                  </a:solidFill>
-                  <a:prstDash val="solid"/>
-                </a:ln>
-                <a:solidFill>
-                  <a:srgbClr val="FFFFFF"/>
-                </a:solidFill>
-                <a:effectLst>
-                  <a:outerShdw blurRad="38100" dist="22860" dir="5400000" algn="tl" rotWithShape="0">
-                    <a:srgbClr val="000000">
-                      <a:alpha val="30000"/>
-                    </a:srgbClr>
-                  </a:outerShdw>
-                </a:effectLst>
-              </a:rPr>
-              <a:t>Sequence Diagram</a:t>
-            </a:r>
-          </a:p>
-        </p:txBody>
-      </p:sp>
-    </p:spTree>
-    <p:extLst>
-      <p:ext uri="{BB962C8B-B14F-4D97-AF65-F5344CB8AC3E}">
-        <p14:creationId xmlns:p14="http://schemas.microsoft.com/office/powerpoint/2010/main" val="3826020683"/>
-      </p:ext>
-    </p:extLst>
-  </p:cSld>
-  <p:clrMapOvr>
-    <a:masterClrMapping/>
-  </p:clrMapOvr>
-</p:sld>
-</file>
-
-<file path=ppt/slides/slide11.xml><?xml version="1.0" encoding="utf-8"?>
-<p:sld xmlns:a="http://schemas.openxmlformats.org/drawingml/2006/main" xmlns:r="http://schemas.openxmlformats.org/officeDocument/2006/relationships" xmlns:p="http://schemas.openxmlformats.org/presentationml/2006/main">
-  <p:cSld>
-    <p:spTree>
-      <p:nvGrpSpPr>
-        <p:cNvPr id="1" name=""/>
-        <p:cNvGrpSpPr/>
-        <p:nvPr/>
-      </p:nvGrpSpPr>
-      <p:grpSpPr>
-        <a:xfrm>
-          <a:off x="0" y="0"/>
-          <a:ext cx="0" cy="0"/>
-          <a:chOff x="0" y="0"/>
-          <a:chExt cx="0" cy="0"/>
-        </a:xfrm>
-      </p:grpSpPr>
-      <p:sp>
-        <p:nvSpPr>
           <p:cNvPr id="7" name="Rectangle 6">
             <a:extLst>
               <a:ext uri="{FF2B5EF4-FFF2-40B4-BE49-F238E27FC236}">
@@ -9423,10 +9158,10 @@
       </p:sp>
       <p:pic>
         <p:nvPicPr>
-          <p:cNvPr id="8" name="Picture 7" descr="A diagram of a project&#10;&#10;Description automatically generated">
+          <p:cNvPr id="3" name="Picture 2">
             <a:extLst>
               <a:ext uri="{FF2B5EF4-FFF2-40B4-BE49-F238E27FC236}">
-                <a16:creationId xmlns:a16="http://schemas.microsoft.com/office/drawing/2014/main" id="{EB8E5684-0AE9-B23F-7ED5-C2B337AE6727}"/>
+                <a16:creationId xmlns:a16="http://schemas.microsoft.com/office/drawing/2014/main" id="{88AD1EB2-6DF3-CE55-B7B8-3EC9EC4DCAC5}"/>
               </a:ext>
             </a:extLst>
           </p:cNvPr>
@@ -9449,8 +9184,8 @@
         </p:blipFill>
         <p:spPr>
           <a:xfrm>
-            <a:off x="1215283" y="409582"/>
-            <a:ext cx="9761434" cy="5588446"/>
+            <a:off x="1336185" y="63500"/>
+            <a:ext cx="9114516" cy="6153749"/>
           </a:xfrm>
           <a:prstGeom prst="rect">
             <a:avLst/>
@@ -9470,7 +9205,7 @@
 </p:sld>
 </file>
 
-<file path=ppt/slides/slide12.xml><?xml version="1.0" encoding="utf-8"?>
+<file path=ppt/slides/slide11.xml><?xml version="1.0" encoding="utf-8"?>
 <p:sld xmlns:a="http://schemas.openxmlformats.org/drawingml/2006/main" xmlns:r="http://schemas.openxmlformats.org/officeDocument/2006/relationships" xmlns:p="http://schemas.openxmlformats.org/presentationml/2006/main">
   <p:cSld>
     <p:spTree>
@@ -9563,7 +9298,7 @@
 </p:sld>
 </file>
 
-<file path=ppt/slides/slide13.xml><?xml version="1.0" encoding="utf-8"?>
+<file path=ppt/slides/slide12.xml><?xml version="1.0" encoding="utf-8"?>
 <p:sld xmlns:a="http://schemas.openxmlformats.org/drawingml/2006/main" xmlns:r="http://schemas.openxmlformats.org/officeDocument/2006/relationships" xmlns:p="http://schemas.openxmlformats.org/presentationml/2006/main">
   <p:cSld>
     <p:spTree>
@@ -9843,7 +9578,7 @@
 </p:sld>
 </file>
 
-<file path=ppt/slides/slide14.xml><?xml version="1.0" encoding="utf-8"?>
+<file path=ppt/slides/slide13.xml><?xml version="1.0" encoding="utf-8"?>
 <p:sld xmlns:a="http://schemas.openxmlformats.org/drawingml/2006/main" xmlns:r="http://schemas.openxmlformats.org/officeDocument/2006/relationships" xmlns:p="http://schemas.openxmlformats.org/presentationml/2006/main">
   <p:cSld>
     <p:spTree>
@@ -9865,7 +9600,7 @@
           <p:cNvPr id="7" name="Rectangle 6">
             <a:extLst>
               <a:ext uri="{FF2B5EF4-FFF2-40B4-BE49-F238E27FC236}">
-                <a16:creationId xmlns:a16="http://schemas.microsoft.com/office/drawing/2014/main" id="{E549F5E7-20F5-5FFA-0C0E-8A66DB25109B}"/>
+                <a16:creationId xmlns:a16="http://schemas.microsoft.com/office/drawing/2014/main" id="{E116E671-ABBE-CE17-9880-383360E1F66C}"/>
               </a:ext>
             </a:extLst>
           </p:cNvPr>
@@ -9912,46 +9647,12 @@
           </a:p>
         </p:txBody>
       </p:sp>
-      <p:pic>
-        <p:nvPicPr>
-          <p:cNvPr id="5" name="Content Placeholder 4" descr="A diagram of a project&#10;&#10;Description automatically generated with medium confidence">
-            <a:extLst>
-              <a:ext uri="{FF2B5EF4-FFF2-40B4-BE49-F238E27FC236}">
-                <a16:creationId xmlns:a16="http://schemas.microsoft.com/office/drawing/2014/main" id="{B699349C-0C22-71DF-DBF4-9B6FF062EED2}"/>
-              </a:ext>
-            </a:extLst>
-          </p:cNvPr>
-          <p:cNvPicPr>
-            <a:picLocks noGrp="1" noChangeAspect="1"/>
-          </p:cNvPicPr>
-          <p:nvPr>
-            <p:ph idx="1"/>
-          </p:nvPr>
-        </p:nvPicPr>
-        <p:blipFill rotWithShape="1">
-          <a:blip r:embed="rId2">
-            <a:extLst>
-              <a:ext uri="{28A0092B-C50C-407E-A947-70E740481C1C}">
-                <a14:useLocalDpi xmlns:a14="http://schemas.microsoft.com/office/drawing/2010/main" val="0"/>
-              </a:ext>
-            </a:extLst>
-          </a:blip>
-          <a:srcRect l="385"/>
-          <a:stretch/>
-        </p:blipFill>
-        <p:spPr>
-          <a:xfrm>
-            <a:off x="1875099" y="335667"/>
-            <a:ext cx="8474536" cy="5677719"/>
-          </a:xfrm>
-        </p:spPr>
-      </p:pic>
       <p:sp>
         <p:nvSpPr>
           <p:cNvPr id="6" name="Rectangle 5">
             <a:extLst>
               <a:ext uri="{FF2B5EF4-FFF2-40B4-BE49-F238E27FC236}">
-                <a16:creationId xmlns:a16="http://schemas.microsoft.com/office/drawing/2014/main" id="{B928EA92-9D8A-9EC4-6CCB-C964EA6BD76F}"/>
+                <a16:creationId xmlns:a16="http://schemas.microsoft.com/office/drawing/2014/main" id="{657C41BA-BA24-2787-F728-278DFD838975}"/>
               </a:ext>
             </a:extLst>
           </p:cNvPr>
@@ -9999,10 +9700,46 @@
           </a:p>
         </p:txBody>
       </p:sp>
+      <p:pic>
+        <p:nvPicPr>
+          <p:cNvPr id="5" name="Picture 4">
+            <a:extLst>
+              <a:ext uri="{FF2B5EF4-FFF2-40B4-BE49-F238E27FC236}">
+                <a16:creationId xmlns:a16="http://schemas.microsoft.com/office/drawing/2014/main" id="{EB0EB4D2-B983-68DA-0E5C-0E8FBD1D5A31}"/>
+              </a:ext>
+            </a:extLst>
+          </p:cNvPr>
+          <p:cNvPicPr>
+            <a:picLocks noChangeAspect="1"/>
+          </p:cNvPicPr>
+          <p:nvPr/>
+        </p:nvPicPr>
+        <p:blipFill>
+          <a:blip r:embed="rId2">
+            <a:extLst>
+              <a:ext uri="{28A0092B-C50C-407E-A947-70E740481C1C}">
+                <a14:useLocalDpi xmlns:a14="http://schemas.microsoft.com/office/drawing/2010/main" val="0"/>
+              </a:ext>
+            </a:extLst>
+          </a:blip>
+          <a:stretch>
+            <a:fillRect/>
+          </a:stretch>
+        </p:blipFill>
+        <p:spPr>
+          <a:xfrm>
+            <a:off x="1726889" y="0"/>
+            <a:ext cx="8365408" cy="6313714"/>
+          </a:xfrm>
+          <a:prstGeom prst="rect">
+            <a:avLst/>
+          </a:prstGeom>
+        </p:spPr>
+      </p:pic>
     </p:spTree>
     <p:extLst>
       <p:ext uri="{BB962C8B-B14F-4D97-AF65-F5344CB8AC3E}">
-        <p14:creationId xmlns:p14="http://schemas.microsoft.com/office/powerpoint/2010/main" val="3735451545"/>
+        <p14:creationId xmlns:p14="http://schemas.microsoft.com/office/powerpoint/2010/main" val="336017680"/>
       </p:ext>
     </p:extLst>
   </p:cSld>
@@ -10012,7 +9749,7 @@
 </p:sld>
 </file>
 
-<file path=ppt/slides/slide15.xml><?xml version="1.0" encoding="utf-8"?>
+<file path=ppt/slides/slide14.xml><?xml version="1.0" encoding="utf-8"?>
 <p:sld xmlns:a="http://schemas.openxmlformats.org/drawingml/2006/main" xmlns:r="http://schemas.openxmlformats.org/officeDocument/2006/relationships" xmlns:p="http://schemas.openxmlformats.org/presentationml/2006/main">
   <p:cSld>
     <p:spTree>
@@ -10183,7 +9920,7 @@
 </p:sld>
 </file>
 
-<file path=ppt/slides/slide16.xml><?xml version="1.0" encoding="utf-8"?>
+<file path=ppt/slides/slide15.xml><?xml version="1.0" encoding="utf-8"?>
 <p:sld xmlns:a="http://schemas.openxmlformats.org/drawingml/2006/main" xmlns:r="http://schemas.openxmlformats.org/officeDocument/2006/relationships" xmlns:p="http://schemas.openxmlformats.org/presentationml/2006/main">
   <p:cSld>
     <p:spTree>
@@ -10516,7 +10253,7 @@
 </p:sld>
 </file>
 
-<file path=ppt/slides/slide17.xml><?xml version="1.0" encoding="utf-8"?>
+<file path=ppt/slides/slide16.xml><?xml version="1.0" encoding="utf-8"?>
 <p:sld xmlns:a="http://schemas.openxmlformats.org/drawingml/2006/main" xmlns:r="http://schemas.openxmlformats.org/officeDocument/2006/relationships" xmlns:p="http://schemas.openxmlformats.org/presentationml/2006/main">
   <p:cSld>
     <p:spTree>
@@ -10585,40 +10322,6 @@
           </a:p>
         </p:txBody>
       </p:sp>
-      <p:pic>
-        <p:nvPicPr>
-          <p:cNvPr id="5" name="Content Placeholder 4" descr="A screenshot of a computer&#10;&#10;Description automatically generated">
-            <a:extLst>
-              <a:ext uri="{FF2B5EF4-FFF2-40B4-BE49-F238E27FC236}">
-                <a16:creationId xmlns:a16="http://schemas.microsoft.com/office/drawing/2014/main" id="{1CAA0E9F-430D-5BF9-7E0B-583533B703C6}"/>
-              </a:ext>
-            </a:extLst>
-          </p:cNvPr>
-          <p:cNvPicPr>
-            <a:picLocks noGrp="1" noChangeAspect="1"/>
-          </p:cNvPicPr>
-          <p:nvPr>
-            <p:ph idx="1"/>
-          </p:nvPr>
-        </p:nvPicPr>
-        <p:blipFill rotWithShape="1">
-          <a:blip r:embed="rId2">
-            <a:extLst>
-              <a:ext uri="{28A0092B-C50C-407E-A947-70E740481C1C}">
-                <a14:useLocalDpi xmlns:a14="http://schemas.microsoft.com/office/drawing/2010/main" val="0"/>
-              </a:ext>
-            </a:extLst>
-          </a:blip>
-          <a:srcRect l="701"/>
-          <a:stretch/>
-        </p:blipFill>
-        <p:spPr>
-          <a:xfrm>
-            <a:off x="989635" y="318304"/>
-            <a:ext cx="10285388" cy="5768975"/>
-          </a:xfrm>
-        </p:spPr>
-      </p:pic>
       <p:sp>
         <p:nvSpPr>
           <p:cNvPr id="6" name="Rectangle 5">
@@ -10672,6 +10375,41 @@
           </a:p>
         </p:txBody>
       </p:sp>
+      <p:pic>
+        <p:nvPicPr>
+          <p:cNvPr id="8" name="Content Placeholder 7">
+            <a:extLst>
+              <a:ext uri="{FF2B5EF4-FFF2-40B4-BE49-F238E27FC236}">
+                <a16:creationId xmlns:a16="http://schemas.microsoft.com/office/drawing/2014/main" id="{4330DB0D-6313-DA0C-E1AD-F99A50A3BA95}"/>
+              </a:ext>
+            </a:extLst>
+          </p:cNvPr>
+          <p:cNvPicPr>
+            <a:picLocks noGrp="1" noChangeAspect="1"/>
+          </p:cNvPicPr>
+          <p:nvPr>
+            <p:ph idx="1"/>
+          </p:nvPr>
+        </p:nvPicPr>
+        <p:blipFill>
+          <a:blip r:embed="rId2">
+            <a:extLst>
+              <a:ext uri="{28A0092B-C50C-407E-A947-70E740481C1C}">
+                <a14:useLocalDpi xmlns:a14="http://schemas.microsoft.com/office/drawing/2010/main" val="0"/>
+              </a:ext>
+            </a:extLst>
+          </a:blip>
+          <a:stretch>
+            <a:fillRect/>
+          </a:stretch>
+        </p:blipFill>
+        <p:spPr>
+          <a:xfrm>
+            <a:off x="897677" y="0"/>
+            <a:ext cx="10143932" cy="6217249"/>
+          </a:xfrm>
+        </p:spPr>
+      </p:pic>
     </p:spTree>
     <p:extLst>
       <p:ext uri="{BB962C8B-B14F-4D97-AF65-F5344CB8AC3E}">
@@ -10685,7 +10423,7 @@
 </p:sld>
 </file>
 
-<file path=ppt/slides/slide18.xml><?xml version="1.0" encoding="utf-8"?>
+<file path=ppt/slides/slide17.xml><?xml version="1.0" encoding="utf-8"?>
 <p:sld xmlns:a="http://schemas.openxmlformats.org/drawingml/2006/main" xmlns:r="http://schemas.openxmlformats.org/officeDocument/2006/relationships" xmlns:p="http://schemas.openxmlformats.org/presentationml/2006/main">
   <p:cSld>
     <p:spTree>
@@ -10856,7 +10594,7 @@
 </p:sld>
 </file>
 
-<file path=ppt/slides/slide19.xml><?xml version="1.0" encoding="utf-8"?>
+<file path=ppt/slides/slide18.xml><?xml version="1.0" encoding="utf-8"?>
 <p:sld xmlns:a="http://schemas.openxmlformats.org/drawingml/2006/main" xmlns:r="http://schemas.openxmlformats.org/officeDocument/2006/relationships" xmlns:p="http://schemas.openxmlformats.org/presentationml/2006/main">
   <p:cSld>
     <p:spTree>
@@ -10992,112 +10730,7 @@
 </p:sld>
 </file>
 
-<file path=ppt/slides/slide2.xml><?xml version="1.0" encoding="utf-8"?>
-<p:sld xmlns:a="http://schemas.openxmlformats.org/drawingml/2006/main" xmlns:r="http://schemas.openxmlformats.org/officeDocument/2006/relationships" xmlns:p="http://schemas.openxmlformats.org/presentationml/2006/main">
-  <p:cSld>
-    <p:bg>
-      <p:bgPr>
-        <a:solidFill>
-          <a:schemeClr val="bg1"/>
-        </a:solidFill>
-        <a:effectLst/>
-      </p:bgPr>
-    </p:bg>
-    <p:spTree>
-      <p:nvGrpSpPr>
-        <p:cNvPr id="1" name=""/>
-        <p:cNvGrpSpPr/>
-        <p:nvPr/>
-      </p:nvGrpSpPr>
-      <p:grpSpPr>
-        <a:xfrm>
-          <a:off x="0" y="0"/>
-          <a:ext cx="0" cy="0"/>
-          <a:chOff x="0" y="0"/>
-          <a:chExt cx="0" cy="0"/>
-        </a:xfrm>
-      </p:grpSpPr>
-      <p:sp>
-        <p:nvSpPr>
-          <p:cNvPr id="2" name="Title 1">
-            <a:extLst>
-              <a:ext uri="{FF2B5EF4-FFF2-40B4-BE49-F238E27FC236}">
-                <a16:creationId xmlns:a16="http://schemas.microsoft.com/office/drawing/2014/main" id="{F0C5FA17-991A-7768-EE29-12F199F6D6DB}"/>
-              </a:ext>
-            </a:extLst>
-          </p:cNvPr>
-          <p:cNvSpPr>
-            <a:spLocks noGrp="1"/>
-          </p:cNvSpPr>
-          <p:nvPr>
-            <p:ph type="title"/>
-          </p:nvPr>
-        </p:nvSpPr>
-        <p:spPr>
-          <a:xfrm>
-            <a:off x="1097280" y="286603"/>
-            <a:ext cx="10058400" cy="1450757"/>
-          </a:xfrm>
-        </p:spPr>
-        <p:txBody>
-          <a:bodyPr>
-            <a:normAutofit/>
-          </a:bodyPr>
-          <a:lstStyle/>
-          <a:p>
-            <a:r>
-              <a:rPr lang="en-US" dirty="0" err="1"/>
-              <a:t>Mainpoint</a:t>
-            </a:r>
-            <a:endParaRPr lang="en-US"/>
-          </a:p>
-        </p:txBody>
-      </p:sp>
-      <p:graphicFrame>
-        <p:nvGraphicFramePr>
-          <p:cNvPr id="5" name="Content Placeholder 2">
-            <a:extLst>
-              <a:ext uri="{FF2B5EF4-FFF2-40B4-BE49-F238E27FC236}">
-                <a16:creationId xmlns:a16="http://schemas.microsoft.com/office/drawing/2014/main" id="{EE45747A-A6D7-A5E2-C26B-C86C8F800792}"/>
-              </a:ext>
-            </a:extLst>
-          </p:cNvPr>
-          <p:cNvGraphicFramePr>
-            <a:graphicFrameLocks noGrp="1"/>
-          </p:cNvGraphicFramePr>
-          <p:nvPr>
-            <p:ph idx="1"/>
-            <p:extLst>
-              <p:ext uri="{D42A27DB-BD31-4B8C-83A1-F6EECF244321}">
-                <p14:modId xmlns:p14="http://schemas.microsoft.com/office/powerpoint/2010/main" val="3472816609"/>
-              </p:ext>
-            </p:extLst>
-          </p:nvPr>
-        </p:nvGraphicFramePr>
-        <p:xfrm>
-          <a:off x="1096963" y="2098515"/>
-          <a:ext cx="10058400" cy="3786080"/>
-        </p:xfrm>
-        <a:graphic>
-          <a:graphicData uri="http://schemas.openxmlformats.org/drawingml/2006/diagram">
-            <dgm:relIds xmlns:dgm="http://schemas.openxmlformats.org/drawingml/2006/diagram" xmlns:r="http://schemas.openxmlformats.org/officeDocument/2006/relationships" r:dm="rId2" r:lo="rId3" r:qs="rId4" r:cs="rId5"/>
-          </a:graphicData>
-        </a:graphic>
-      </p:graphicFrame>
-    </p:spTree>
-    <p:extLst>
-      <p:ext uri="{BB962C8B-B14F-4D97-AF65-F5344CB8AC3E}">
-        <p14:creationId xmlns:p14="http://schemas.microsoft.com/office/powerpoint/2010/main" val="988461907"/>
-      </p:ext>
-    </p:extLst>
-  </p:cSld>
-  <p:clrMapOvr>
-    <a:masterClrMapping/>
-  </p:clrMapOvr>
-</p:sld>
-</file>
-
-<file path=ppt/slides/slide20.xml><?xml version="1.0" encoding="utf-8"?>
+<file path=ppt/slides/slide19.xml><?xml version="1.0" encoding="utf-8"?>
 <p:sld xmlns:a="http://schemas.openxmlformats.org/drawingml/2006/main" xmlns:r="http://schemas.openxmlformats.org/officeDocument/2006/relationships" xmlns:p="http://schemas.openxmlformats.org/presentationml/2006/main">
   <p:cSld>
     <p:bg>
@@ -11634,6 +11267,111 @@
 </p:sld>
 </file>
 
+<file path=ppt/slides/slide2.xml><?xml version="1.0" encoding="utf-8"?>
+<p:sld xmlns:a="http://schemas.openxmlformats.org/drawingml/2006/main" xmlns:r="http://schemas.openxmlformats.org/officeDocument/2006/relationships" xmlns:p="http://schemas.openxmlformats.org/presentationml/2006/main">
+  <p:cSld>
+    <p:bg>
+      <p:bgPr>
+        <a:solidFill>
+          <a:schemeClr val="bg1"/>
+        </a:solidFill>
+        <a:effectLst/>
+      </p:bgPr>
+    </p:bg>
+    <p:spTree>
+      <p:nvGrpSpPr>
+        <p:cNvPr id="1" name=""/>
+        <p:cNvGrpSpPr/>
+        <p:nvPr/>
+      </p:nvGrpSpPr>
+      <p:grpSpPr>
+        <a:xfrm>
+          <a:off x="0" y="0"/>
+          <a:ext cx="0" cy="0"/>
+          <a:chOff x="0" y="0"/>
+          <a:chExt cx="0" cy="0"/>
+        </a:xfrm>
+      </p:grpSpPr>
+      <p:sp>
+        <p:nvSpPr>
+          <p:cNvPr id="2" name="Title 1">
+            <a:extLst>
+              <a:ext uri="{FF2B5EF4-FFF2-40B4-BE49-F238E27FC236}">
+                <a16:creationId xmlns:a16="http://schemas.microsoft.com/office/drawing/2014/main" id="{F0C5FA17-991A-7768-EE29-12F199F6D6DB}"/>
+              </a:ext>
+            </a:extLst>
+          </p:cNvPr>
+          <p:cNvSpPr>
+            <a:spLocks noGrp="1"/>
+          </p:cNvSpPr>
+          <p:nvPr>
+            <p:ph type="title"/>
+          </p:nvPr>
+        </p:nvSpPr>
+        <p:spPr>
+          <a:xfrm>
+            <a:off x="1097280" y="286603"/>
+            <a:ext cx="10058400" cy="1450757"/>
+          </a:xfrm>
+        </p:spPr>
+        <p:txBody>
+          <a:bodyPr>
+            <a:normAutofit/>
+          </a:bodyPr>
+          <a:lstStyle/>
+          <a:p>
+            <a:r>
+              <a:rPr lang="en-US" dirty="0" err="1"/>
+              <a:t>Mainpoint</a:t>
+            </a:r>
+            <a:endParaRPr lang="en-US"/>
+          </a:p>
+        </p:txBody>
+      </p:sp>
+      <p:graphicFrame>
+        <p:nvGraphicFramePr>
+          <p:cNvPr id="5" name="Content Placeholder 2">
+            <a:extLst>
+              <a:ext uri="{FF2B5EF4-FFF2-40B4-BE49-F238E27FC236}">
+                <a16:creationId xmlns:a16="http://schemas.microsoft.com/office/drawing/2014/main" id="{EE45747A-A6D7-A5E2-C26B-C86C8F800792}"/>
+              </a:ext>
+            </a:extLst>
+          </p:cNvPr>
+          <p:cNvGraphicFramePr>
+            <a:graphicFrameLocks noGrp="1"/>
+          </p:cNvGraphicFramePr>
+          <p:nvPr>
+            <p:ph idx="1"/>
+            <p:extLst>
+              <p:ext uri="{D42A27DB-BD31-4B8C-83A1-F6EECF244321}">
+                <p14:modId xmlns:p14="http://schemas.microsoft.com/office/powerpoint/2010/main" val="3472816609"/>
+              </p:ext>
+            </p:extLst>
+          </p:nvPr>
+        </p:nvGraphicFramePr>
+        <p:xfrm>
+          <a:off x="1096963" y="2098515"/>
+          <a:ext cx="10058400" cy="3786080"/>
+        </p:xfrm>
+        <a:graphic>
+          <a:graphicData uri="http://schemas.openxmlformats.org/drawingml/2006/diagram">
+            <dgm:relIds xmlns:dgm="http://schemas.openxmlformats.org/drawingml/2006/diagram" xmlns:r="http://schemas.openxmlformats.org/officeDocument/2006/relationships" r:dm="rId2" r:lo="rId3" r:qs="rId4" r:cs="rId5"/>
+          </a:graphicData>
+        </a:graphic>
+      </p:graphicFrame>
+    </p:spTree>
+    <p:extLst>
+      <p:ext uri="{BB962C8B-B14F-4D97-AF65-F5344CB8AC3E}">
+        <p14:creationId xmlns:p14="http://schemas.microsoft.com/office/powerpoint/2010/main" val="988461907"/>
+      </p:ext>
+    </p:extLst>
+  </p:cSld>
+  <p:clrMapOvr>
+    <a:masterClrMapping/>
+  </p:clrMapOvr>
+</p:sld>
+</file>
+
 <file path=ppt/slides/slide3.xml><?xml version="1.0" encoding="utf-8"?>
 <p:sld xmlns:a="http://schemas.openxmlformats.org/drawingml/2006/main" xmlns:r="http://schemas.openxmlformats.org/officeDocument/2006/relationships" xmlns:p="http://schemas.openxmlformats.org/presentationml/2006/main">
   <p:cSld>
@@ -11681,10 +11419,10 @@
       </p:sp>
       <p:pic>
         <p:nvPicPr>
-          <p:cNvPr id="13" name="Content Placeholder 12" descr="A diagram of a company&#10;&#10;Description automatically generated">
+          <p:cNvPr id="6" name="Content Placeholder 5">
             <a:extLst>
               <a:ext uri="{FF2B5EF4-FFF2-40B4-BE49-F238E27FC236}">
-                <a16:creationId xmlns:a16="http://schemas.microsoft.com/office/drawing/2014/main" id="{C7B2EFE3-48D1-8C74-8D4A-165036B9CBD6}"/>
+                <a16:creationId xmlns:a16="http://schemas.microsoft.com/office/drawing/2014/main" id="{85063572-5E32-9C4A-102B-3F086609E636}"/>
               </a:ext>
             </a:extLst>
           </p:cNvPr>
@@ -11709,8 +11447,8 @@
         </p:blipFill>
         <p:spPr>
           <a:xfrm>
-            <a:off x="1097279" y="2030413"/>
-            <a:ext cx="8325167" cy="3929992"/>
+            <a:off x="1493406" y="2030413"/>
+            <a:ext cx="8109177" cy="3835422"/>
           </a:xfrm>
         </p:spPr>
       </p:pic>
@@ -11783,520 +11521,6 @@
 </file>
 
 <file path=ppt/slides/slide4.xml><?xml version="1.0" encoding="utf-8"?>
-<p:sld xmlns:a="http://schemas.openxmlformats.org/drawingml/2006/main" xmlns:r="http://schemas.openxmlformats.org/officeDocument/2006/relationships" xmlns:p="http://schemas.openxmlformats.org/presentationml/2006/main">
-  <p:cSld>
-    <p:spTree>
-      <p:nvGrpSpPr>
-        <p:cNvPr id="1" name=""/>
-        <p:cNvGrpSpPr/>
-        <p:nvPr/>
-      </p:nvGrpSpPr>
-      <p:grpSpPr>
-        <a:xfrm>
-          <a:off x="0" y="0"/>
-          <a:ext cx="0" cy="0"/>
-          <a:chOff x="0" y="0"/>
-          <a:chExt cx="0" cy="0"/>
-        </a:xfrm>
-      </p:grpSpPr>
-      <p:sp>
-        <p:nvSpPr>
-          <p:cNvPr id="7" name="Rectangle 6">
-            <a:extLst>
-              <a:ext uri="{FF2B5EF4-FFF2-40B4-BE49-F238E27FC236}">
-                <a16:creationId xmlns:a16="http://schemas.microsoft.com/office/drawing/2014/main" id="{29D46AD0-E3F2-0EDD-3CBF-8F129F03D6E8}"/>
-              </a:ext>
-            </a:extLst>
-          </p:cNvPr>
-          <p:cNvSpPr/>
-          <p:nvPr/>
-        </p:nvSpPr>
-        <p:spPr>
-          <a:xfrm>
-            <a:off x="520861" y="1035934"/>
-            <a:ext cx="10897564" cy="995423"/>
-          </a:xfrm>
-          <a:prstGeom prst="rect">
-            <a:avLst/>
-          </a:prstGeom>
-          <a:solidFill>
-            <a:schemeClr val="bg1"/>
-          </a:solidFill>
-          <a:ln>
-            <a:noFill/>
-          </a:ln>
-        </p:spPr>
-        <p:style>
-          <a:lnRef idx="2">
-            <a:schemeClr val="accent1">
-              <a:shade val="15000"/>
-            </a:schemeClr>
-          </a:lnRef>
-          <a:fillRef idx="1">
-            <a:schemeClr val="accent1"/>
-          </a:fillRef>
-          <a:effectRef idx="0">
-            <a:schemeClr val="accent1"/>
-          </a:effectRef>
-          <a:fontRef idx="minor">
-            <a:schemeClr val="lt1"/>
-          </a:fontRef>
-        </p:style>
-        <p:txBody>
-          <a:bodyPr rtlCol="0" anchor="ctr"/>
-          <a:lstStyle/>
-          <a:p>
-            <a:pPr algn="ctr"/>
-            <a:endParaRPr lang="en-US"/>
-          </a:p>
-        </p:txBody>
-      </p:sp>
-      <p:pic>
-        <p:nvPicPr>
-          <p:cNvPr id="5" name="Content Placeholder 4">
-            <a:extLst>
-              <a:ext uri="{FF2B5EF4-FFF2-40B4-BE49-F238E27FC236}">
-                <a16:creationId xmlns:a16="http://schemas.microsoft.com/office/drawing/2014/main" id="{0A914650-D599-4397-2191-3D65ECD0A916}"/>
-              </a:ext>
-            </a:extLst>
-          </p:cNvPr>
-          <p:cNvPicPr>
-            <a:picLocks noGrp="1" noChangeAspect="1"/>
-          </p:cNvPicPr>
-          <p:nvPr>
-            <p:ph idx="1"/>
-          </p:nvPr>
-        </p:nvPicPr>
-        <p:blipFill>
-          <a:blip r:embed="rId2"/>
-          <a:stretch>
-            <a:fillRect/>
-          </a:stretch>
-        </p:blipFill>
-        <p:spPr>
-          <a:xfrm>
-            <a:off x="1130461" y="701483"/>
-            <a:ext cx="9931078" cy="5455035"/>
-          </a:xfrm>
-        </p:spPr>
-      </p:pic>
-      <p:sp>
-        <p:nvSpPr>
-          <p:cNvPr id="6" name="Rectangle 5">
-            <a:extLst>
-              <a:ext uri="{FF2B5EF4-FFF2-40B4-BE49-F238E27FC236}">
-                <a16:creationId xmlns:a16="http://schemas.microsoft.com/office/drawing/2014/main" id="{055DBC8B-805F-1BDE-3B96-56BFD50826A8}"/>
-              </a:ext>
-            </a:extLst>
-          </p:cNvPr>
-          <p:cNvSpPr/>
-          <p:nvPr/>
-        </p:nvSpPr>
-        <p:spPr>
-          <a:xfrm>
-            <a:off x="4377064" y="6217249"/>
-            <a:ext cx="4174861" cy="769441"/>
-          </a:xfrm>
-          <a:prstGeom prst="rect">
-            <a:avLst/>
-          </a:prstGeom>
-          <a:noFill/>
-        </p:spPr>
-        <p:txBody>
-          <a:bodyPr wrap="none" lIns="91440" tIns="45720" rIns="91440" bIns="45720">
-            <a:spAutoFit/>
-          </a:bodyPr>
-          <a:lstStyle/>
-          <a:p>
-            <a:pPr algn="ctr"/>
-            <a:r>
-              <a:rPr lang="en-US" sz="4400" b="1" cap="none" spc="0" dirty="0" err="1">
-                <a:ln w="10160">
-                  <a:solidFill>
-                    <a:schemeClr val="accent5"/>
-                  </a:solidFill>
-                  <a:prstDash val="solid"/>
-                </a:ln>
-                <a:solidFill>
-                  <a:srgbClr val="FFFFFF"/>
-                </a:solidFill>
-                <a:effectLst>
-                  <a:outerShdw blurRad="38100" dist="22860" dir="5400000" algn="tl" rotWithShape="0">
-                    <a:srgbClr val="000000">
-                      <a:alpha val="30000"/>
-                    </a:srgbClr>
-                  </a:outerShdw>
-                </a:effectLst>
-              </a:rPr>
-              <a:t>Usecase</a:t>
-            </a:r>
-            <a:r>
-              <a:rPr lang="en-US" sz="4400" b="1" cap="none" spc="0" dirty="0">
-                <a:ln w="10160">
-                  <a:solidFill>
-                    <a:schemeClr val="accent5"/>
-                  </a:solidFill>
-                  <a:prstDash val="solid"/>
-                </a:ln>
-                <a:solidFill>
-                  <a:srgbClr val="FFFFFF"/>
-                </a:solidFill>
-                <a:effectLst>
-                  <a:outerShdw blurRad="38100" dist="22860" dir="5400000" algn="tl" rotWithShape="0">
-                    <a:srgbClr val="000000">
-                      <a:alpha val="30000"/>
-                    </a:srgbClr>
-                  </a:outerShdw>
-                </a:effectLst>
-              </a:rPr>
-              <a:t> Diagram</a:t>
-            </a:r>
-          </a:p>
-        </p:txBody>
-      </p:sp>
-    </p:spTree>
-    <p:extLst>
-      <p:ext uri="{BB962C8B-B14F-4D97-AF65-F5344CB8AC3E}">
-        <p14:creationId xmlns:p14="http://schemas.microsoft.com/office/powerpoint/2010/main" val="932227571"/>
-      </p:ext>
-    </p:extLst>
-  </p:cSld>
-  <p:clrMapOvr>
-    <a:masterClrMapping/>
-  </p:clrMapOvr>
-</p:sld>
-</file>
-
-<file path=ppt/slides/slide5.xml><?xml version="1.0" encoding="utf-8"?>
-<p:sld xmlns:a="http://schemas.openxmlformats.org/drawingml/2006/main" xmlns:r="http://schemas.openxmlformats.org/officeDocument/2006/relationships" xmlns:p="http://schemas.openxmlformats.org/presentationml/2006/main">
-  <p:cSld>
-    <p:spTree>
-      <p:nvGrpSpPr>
-        <p:cNvPr id="1" name=""/>
-        <p:cNvGrpSpPr/>
-        <p:nvPr/>
-      </p:nvGrpSpPr>
-      <p:grpSpPr>
-        <a:xfrm>
-          <a:off x="0" y="0"/>
-          <a:ext cx="0" cy="0"/>
-          <a:chOff x="0" y="0"/>
-          <a:chExt cx="0" cy="0"/>
-        </a:xfrm>
-      </p:grpSpPr>
-      <p:sp>
-        <p:nvSpPr>
-          <p:cNvPr id="8" name="Rectangle 7">
-            <a:extLst>
-              <a:ext uri="{FF2B5EF4-FFF2-40B4-BE49-F238E27FC236}">
-                <a16:creationId xmlns:a16="http://schemas.microsoft.com/office/drawing/2014/main" id="{4F334E5B-6621-369E-2A97-74385B1A8C53}"/>
-              </a:ext>
-            </a:extLst>
-          </p:cNvPr>
-          <p:cNvSpPr/>
-          <p:nvPr/>
-        </p:nvSpPr>
-        <p:spPr>
-          <a:xfrm>
-            <a:off x="520861" y="1035934"/>
-            <a:ext cx="10897564" cy="995423"/>
-          </a:xfrm>
-          <a:prstGeom prst="rect">
-            <a:avLst/>
-          </a:prstGeom>
-          <a:solidFill>
-            <a:schemeClr val="bg1"/>
-          </a:solidFill>
-          <a:ln>
-            <a:noFill/>
-          </a:ln>
-        </p:spPr>
-        <p:style>
-          <a:lnRef idx="2">
-            <a:schemeClr val="accent1">
-              <a:shade val="15000"/>
-            </a:schemeClr>
-          </a:lnRef>
-          <a:fillRef idx="1">
-            <a:schemeClr val="accent1"/>
-          </a:fillRef>
-          <a:effectRef idx="0">
-            <a:schemeClr val="accent1"/>
-          </a:effectRef>
-          <a:fontRef idx="minor">
-            <a:schemeClr val="lt1"/>
-          </a:fontRef>
-        </p:style>
-        <p:txBody>
-          <a:bodyPr rtlCol="0" anchor="ctr"/>
-          <a:lstStyle/>
-          <a:p>
-            <a:pPr algn="ctr"/>
-            <a:endParaRPr lang="en-US"/>
-          </a:p>
-        </p:txBody>
-      </p:sp>
-      <p:pic>
-        <p:nvPicPr>
-          <p:cNvPr id="7" name="Picture 6">
-            <a:extLst>
-              <a:ext uri="{FF2B5EF4-FFF2-40B4-BE49-F238E27FC236}">
-                <a16:creationId xmlns:a16="http://schemas.microsoft.com/office/drawing/2014/main" id="{524FC212-47F9-F9DC-8C13-4928AA65FAAE}"/>
-              </a:ext>
-            </a:extLst>
-          </p:cNvPr>
-          <p:cNvPicPr>
-            <a:picLocks noChangeAspect="1"/>
-          </p:cNvPicPr>
-          <p:nvPr/>
-        </p:nvPicPr>
-        <p:blipFill>
-          <a:blip r:embed="rId2"/>
-          <a:stretch>
-            <a:fillRect/>
-          </a:stretch>
-        </p:blipFill>
-        <p:spPr>
-          <a:xfrm>
-            <a:off x="2634483" y="362401"/>
-            <a:ext cx="6923035" cy="5716516"/>
-          </a:xfrm>
-          <a:prstGeom prst="rect">
-            <a:avLst/>
-          </a:prstGeom>
-        </p:spPr>
-      </p:pic>
-      <p:sp>
-        <p:nvSpPr>
-          <p:cNvPr id="9" name="Rectangle 8">
-            <a:extLst>
-              <a:ext uri="{FF2B5EF4-FFF2-40B4-BE49-F238E27FC236}">
-                <a16:creationId xmlns:a16="http://schemas.microsoft.com/office/drawing/2014/main" id="{2A316A44-1742-C27D-EE54-81680BCB306E}"/>
-              </a:ext>
-            </a:extLst>
-          </p:cNvPr>
-          <p:cNvSpPr/>
-          <p:nvPr/>
-        </p:nvSpPr>
-        <p:spPr>
-          <a:xfrm>
-            <a:off x="4743289" y="6217249"/>
-            <a:ext cx="3442417" cy="769441"/>
-          </a:xfrm>
-          <a:prstGeom prst="rect">
-            <a:avLst/>
-          </a:prstGeom>
-          <a:noFill/>
-        </p:spPr>
-        <p:txBody>
-          <a:bodyPr wrap="none" lIns="91440" tIns="45720" rIns="91440" bIns="45720">
-            <a:spAutoFit/>
-          </a:bodyPr>
-          <a:lstStyle/>
-          <a:p>
-            <a:pPr algn="ctr"/>
-            <a:r>
-              <a:rPr lang="en-US" sz="4400" b="1" cap="none" spc="0" dirty="0">
-                <a:ln w="10160">
-                  <a:solidFill>
-                    <a:schemeClr val="accent5"/>
-                  </a:solidFill>
-                  <a:prstDash val="solid"/>
-                </a:ln>
-                <a:solidFill>
-                  <a:srgbClr val="FFFFFF"/>
-                </a:solidFill>
-                <a:effectLst>
-                  <a:outerShdw blurRad="38100" dist="22860" dir="5400000" algn="tl" rotWithShape="0">
-                    <a:srgbClr val="000000">
-                      <a:alpha val="30000"/>
-                    </a:srgbClr>
-                  </a:outerShdw>
-                </a:effectLst>
-              </a:rPr>
-              <a:t>Class Diagram</a:t>
-            </a:r>
-          </a:p>
-        </p:txBody>
-      </p:sp>
-    </p:spTree>
-    <p:extLst>
-      <p:ext uri="{BB962C8B-B14F-4D97-AF65-F5344CB8AC3E}">
-        <p14:creationId xmlns:p14="http://schemas.microsoft.com/office/powerpoint/2010/main" val="2035155676"/>
-      </p:ext>
-    </p:extLst>
-  </p:cSld>
-  <p:clrMapOvr>
-    <a:masterClrMapping/>
-  </p:clrMapOvr>
-</p:sld>
-</file>
-
-<file path=ppt/slides/slide6.xml><?xml version="1.0" encoding="utf-8"?>
-<p:sld xmlns:a="http://schemas.openxmlformats.org/drawingml/2006/main" xmlns:r="http://schemas.openxmlformats.org/officeDocument/2006/relationships" xmlns:p="http://schemas.openxmlformats.org/presentationml/2006/main">
-  <p:cSld>
-    <p:spTree>
-      <p:nvGrpSpPr>
-        <p:cNvPr id="1" name=""/>
-        <p:cNvGrpSpPr/>
-        <p:nvPr/>
-      </p:nvGrpSpPr>
-      <p:grpSpPr>
-        <a:xfrm>
-          <a:off x="0" y="0"/>
-          <a:ext cx="0" cy="0"/>
-          <a:chOff x="0" y="0"/>
-          <a:chExt cx="0" cy="0"/>
-        </a:xfrm>
-      </p:grpSpPr>
-      <p:sp>
-        <p:nvSpPr>
-          <p:cNvPr id="7" name="Rectangle 6">
-            <a:extLst>
-              <a:ext uri="{FF2B5EF4-FFF2-40B4-BE49-F238E27FC236}">
-                <a16:creationId xmlns:a16="http://schemas.microsoft.com/office/drawing/2014/main" id="{259CD1B8-614D-F1FF-E069-C36D551FBCF3}"/>
-              </a:ext>
-            </a:extLst>
-          </p:cNvPr>
-          <p:cNvSpPr/>
-          <p:nvPr/>
-        </p:nvSpPr>
-        <p:spPr>
-          <a:xfrm>
-            <a:off x="520861" y="1035934"/>
-            <a:ext cx="10897564" cy="995423"/>
-          </a:xfrm>
-          <a:prstGeom prst="rect">
-            <a:avLst/>
-          </a:prstGeom>
-          <a:solidFill>
-            <a:schemeClr val="bg1"/>
-          </a:solidFill>
-          <a:ln>
-            <a:noFill/>
-          </a:ln>
-        </p:spPr>
-        <p:style>
-          <a:lnRef idx="2">
-            <a:schemeClr val="accent1">
-              <a:shade val="15000"/>
-            </a:schemeClr>
-          </a:lnRef>
-          <a:fillRef idx="1">
-            <a:schemeClr val="accent1"/>
-          </a:fillRef>
-          <a:effectRef idx="0">
-            <a:schemeClr val="accent1"/>
-          </a:effectRef>
-          <a:fontRef idx="minor">
-            <a:schemeClr val="lt1"/>
-          </a:fontRef>
-        </p:style>
-        <p:txBody>
-          <a:bodyPr rtlCol="0" anchor="ctr"/>
-          <a:lstStyle/>
-          <a:p>
-            <a:pPr algn="ctr"/>
-            <a:endParaRPr lang="en-US"/>
-          </a:p>
-        </p:txBody>
-      </p:sp>
-      <p:pic>
-        <p:nvPicPr>
-          <p:cNvPr id="5" name="Content Placeholder 4">
-            <a:extLst>
-              <a:ext uri="{FF2B5EF4-FFF2-40B4-BE49-F238E27FC236}">
-                <a16:creationId xmlns:a16="http://schemas.microsoft.com/office/drawing/2014/main" id="{DCDB0647-10C9-1C5B-2433-006377203456}"/>
-              </a:ext>
-            </a:extLst>
-          </p:cNvPr>
-          <p:cNvPicPr>
-            <a:picLocks noGrp="1" noChangeAspect="1"/>
-          </p:cNvPicPr>
-          <p:nvPr>
-            <p:ph idx="1"/>
-          </p:nvPr>
-        </p:nvPicPr>
-        <p:blipFill>
-          <a:blip r:embed="rId2"/>
-          <a:stretch>
-            <a:fillRect/>
-          </a:stretch>
-        </p:blipFill>
-        <p:spPr>
-          <a:xfrm>
-            <a:off x="1846043" y="138897"/>
-            <a:ext cx="8499914" cy="6004452"/>
-          </a:xfrm>
-        </p:spPr>
-      </p:pic>
-      <p:sp>
-        <p:nvSpPr>
-          <p:cNvPr id="6" name="Rectangle 5">
-            <a:extLst>
-              <a:ext uri="{FF2B5EF4-FFF2-40B4-BE49-F238E27FC236}">
-                <a16:creationId xmlns:a16="http://schemas.microsoft.com/office/drawing/2014/main" id="{11866E59-E83E-A951-8CDF-7AE3EB2A213B}"/>
-              </a:ext>
-            </a:extLst>
-          </p:cNvPr>
-          <p:cNvSpPr/>
-          <p:nvPr/>
-        </p:nvSpPr>
-        <p:spPr>
-          <a:xfrm>
-            <a:off x="4743287" y="6217249"/>
-            <a:ext cx="3442417" cy="769441"/>
-          </a:xfrm>
-          <a:prstGeom prst="rect">
-            <a:avLst/>
-          </a:prstGeom>
-          <a:noFill/>
-        </p:spPr>
-        <p:txBody>
-          <a:bodyPr wrap="none" lIns="91440" tIns="45720" rIns="91440" bIns="45720">
-            <a:spAutoFit/>
-          </a:bodyPr>
-          <a:lstStyle/>
-          <a:p>
-            <a:pPr algn="ctr"/>
-            <a:r>
-              <a:rPr lang="en-US" sz="4400" b="1" cap="none" spc="0" dirty="0">
-                <a:ln w="10160">
-                  <a:solidFill>
-                    <a:schemeClr val="accent5"/>
-                  </a:solidFill>
-                  <a:prstDash val="solid"/>
-                </a:ln>
-                <a:solidFill>
-                  <a:srgbClr val="FFFFFF"/>
-                </a:solidFill>
-                <a:effectLst>
-                  <a:outerShdw blurRad="38100" dist="22860" dir="5400000" algn="tl" rotWithShape="0">
-                    <a:srgbClr val="000000">
-                      <a:alpha val="30000"/>
-                    </a:srgbClr>
-                  </a:outerShdw>
-                </a:effectLst>
-              </a:rPr>
-              <a:t>Class Diagram</a:t>
-            </a:r>
-          </a:p>
-        </p:txBody>
-      </p:sp>
-    </p:spTree>
-    <p:extLst>
-      <p:ext uri="{BB962C8B-B14F-4D97-AF65-F5344CB8AC3E}">
-        <p14:creationId xmlns:p14="http://schemas.microsoft.com/office/powerpoint/2010/main" val="282763452"/>
-      </p:ext>
-    </p:extLst>
-  </p:cSld>
-  <p:clrMapOvr>
-    <a:masterClrMapping/>
-  </p:clrMapOvr>
-</p:sld>
-</file>
-
-<file path=ppt/slides/slide7.xml><?xml version="1.0" encoding="utf-8"?>
 <p:sld xmlns:a="http://schemas.openxmlformats.org/drawingml/2006/main" xmlns:r="http://schemas.openxmlformats.org/officeDocument/2006/relationships" xmlns:p="http://schemas.openxmlformats.org/presentationml/2006/main">
   <p:cSld>
     <p:spTree>
@@ -12607,7 +11831,363 @@
 </p:sld>
 </file>
 
-<file path=ppt/slides/slide8.xml><?xml version="1.0" encoding="utf-8"?>
+<file path=ppt/slides/slide5.xml><?xml version="1.0" encoding="utf-8"?>
+<p:sld xmlns:a="http://schemas.openxmlformats.org/drawingml/2006/main" xmlns:r="http://schemas.openxmlformats.org/officeDocument/2006/relationships" xmlns:p="http://schemas.openxmlformats.org/presentationml/2006/main">
+  <p:cSld>
+    <p:spTree>
+      <p:nvGrpSpPr>
+        <p:cNvPr id="1" name=""/>
+        <p:cNvGrpSpPr/>
+        <p:nvPr/>
+      </p:nvGrpSpPr>
+      <p:grpSpPr>
+        <a:xfrm>
+          <a:off x="0" y="0"/>
+          <a:ext cx="0" cy="0"/>
+          <a:chOff x="0" y="0"/>
+          <a:chExt cx="0" cy="0"/>
+        </a:xfrm>
+      </p:grpSpPr>
+      <p:sp>
+        <p:nvSpPr>
+          <p:cNvPr id="7" name="Rectangle 6">
+            <a:extLst>
+              <a:ext uri="{FF2B5EF4-FFF2-40B4-BE49-F238E27FC236}">
+                <a16:creationId xmlns:a16="http://schemas.microsoft.com/office/drawing/2014/main" id="{29D46AD0-E3F2-0EDD-3CBF-8F129F03D6E8}"/>
+              </a:ext>
+            </a:extLst>
+          </p:cNvPr>
+          <p:cNvSpPr/>
+          <p:nvPr/>
+        </p:nvSpPr>
+        <p:spPr>
+          <a:xfrm>
+            <a:off x="520861" y="1035934"/>
+            <a:ext cx="10897564" cy="995423"/>
+          </a:xfrm>
+          <a:prstGeom prst="rect">
+            <a:avLst/>
+          </a:prstGeom>
+          <a:solidFill>
+            <a:schemeClr val="bg1"/>
+          </a:solidFill>
+          <a:ln>
+            <a:noFill/>
+          </a:ln>
+        </p:spPr>
+        <p:style>
+          <a:lnRef idx="2">
+            <a:schemeClr val="accent1">
+              <a:shade val="15000"/>
+            </a:schemeClr>
+          </a:lnRef>
+          <a:fillRef idx="1">
+            <a:schemeClr val="accent1"/>
+          </a:fillRef>
+          <a:effectRef idx="0">
+            <a:schemeClr val="accent1"/>
+          </a:effectRef>
+          <a:fontRef idx="minor">
+            <a:schemeClr val="lt1"/>
+          </a:fontRef>
+        </p:style>
+        <p:txBody>
+          <a:bodyPr rtlCol="0" anchor="ctr"/>
+          <a:lstStyle/>
+          <a:p>
+            <a:pPr algn="ctr"/>
+            <a:endParaRPr lang="en-US"/>
+          </a:p>
+        </p:txBody>
+      </p:sp>
+      <p:pic>
+        <p:nvPicPr>
+          <p:cNvPr id="5" name="Content Placeholder 4">
+            <a:extLst>
+              <a:ext uri="{FF2B5EF4-FFF2-40B4-BE49-F238E27FC236}">
+                <a16:creationId xmlns:a16="http://schemas.microsoft.com/office/drawing/2014/main" id="{0A914650-D599-4397-2191-3D65ECD0A916}"/>
+              </a:ext>
+            </a:extLst>
+          </p:cNvPr>
+          <p:cNvPicPr>
+            <a:picLocks noGrp="1" noChangeAspect="1"/>
+          </p:cNvPicPr>
+          <p:nvPr>
+            <p:ph idx="1"/>
+          </p:nvPr>
+        </p:nvPicPr>
+        <p:blipFill>
+          <a:blip r:embed="rId2"/>
+          <a:stretch>
+            <a:fillRect/>
+          </a:stretch>
+        </p:blipFill>
+        <p:spPr>
+          <a:xfrm>
+            <a:off x="1130461" y="701483"/>
+            <a:ext cx="9931078" cy="5455035"/>
+          </a:xfrm>
+        </p:spPr>
+      </p:pic>
+      <p:sp>
+        <p:nvSpPr>
+          <p:cNvPr id="6" name="Rectangle 5">
+            <a:extLst>
+              <a:ext uri="{FF2B5EF4-FFF2-40B4-BE49-F238E27FC236}">
+                <a16:creationId xmlns:a16="http://schemas.microsoft.com/office/drawing/2014/main" id="{055DBC8B-805F-1BDE-3B96-56BFD50826A8}"/>
+              </a:ext>
+            </a:extLst>
+          </p:cNvPr>
+          <p:cNvSpPr/>
+          <p:nvPr/>
+        </p:nvSpPr>
+        <p:spPr>
+          <a:xfrm>
+            <a:off x="4377064" y="6217249"/>
+            <a:ext cx="4174861" cy="769441"/>
+          </a:xfrm>
+          <a:prstGeom prst="rect">
+            <a:avLst/>
+          </a:prstGeom>
+          <a:noFill/>
+        </p:spPr>
+        <p:txBody>
+          <a:bodyPr wrap="none" lIns="91440" tIns="45720" rIns="91440" bIns="45720">
+            <a:spAutoFit/>
+          </a:bodyPr>
+          <a:lstStyle/>
+          <a:p>
+            <a:pPr algn="ctr"/>
+            <a:r>
+              <a:rPr lang="en-US" sz="4400" b="1" cap="none" spc="0" dirty="0" err="1">
+                <a:ln w="10160">
+                  <a:solidFill>
+                    <a:schemeClr val="accent5"/>
+                  </a:solidFill>
+                  <a:prstDash val="solid"/>
+                </a:ln>
+                <a:solidFill>
+                  <a:srgbClr val="FFFFFF"/>
+                </a:solidFill>
+                <a:effectLst>
+                  <a:outerShdw blurRad="38100" dist="22860" dir="5400000" algn="tl" rotWithShape="0">
+                    <a:srgbClr val="000000">
+                      <a:alpha val="30000"/>
+                    </a:srgbClr>
+                  </a:outerShdw>
+                </a:effectLst>
+              </a:rPr>
+              <a:t>Usecase</a:t>
+            </a:r>
+            <a:r>
+              <a:rPr lang="en-US" sz="4400" b="1" cap="none" spc="0" dirty="0">
+                <a:ln w="10160">
+                  <a:solidFill>
+                    <a:schemeClr val="accent5"/>
+                  </a:solidFill>
+                  <a:prstDash val="solid"/>
+                </a:ln>
+                <a:solidFill>
+                  <a:srgbClr val="FFFFFF"/>
+                </a:solidFill>
+                <a:effectLst>
+                  <a:outerShdw blurRad="38100" dist="22860" dir="5400000" algn="tl" rotWithShape="0">
+                    <a:srgbClr val="000000">
+                      <a:alpha val="30000"/>
+                    </a:srgbClr>
+                  </a:outerShdw>
+                </a:effectLst>
+              </a:rPr>
+              <a:t> Diagram</a:t>
+            </a:r>
+          </a:p>
+        </p:txBody>
+      </p:sp>
+    </p:spTree>
+    <p:extLst>
+      <p:ext uri="{BB962C8B-B14F-4D97-AF65-F5344CB8AC3E}">
+        <p14:creationId xmlns:p14="http://schemas.microsoft.com/office/powerpoint/2010/main" val="932227571"/>
+      </p:ext>
+    </p:extLst>
+  </p:cSld>
+  <p:clrMapOvr>
+    <a:masterClrMapping/>
+  </p:clrMapOvr>
+</p:sld>
+</file>
+
+<file path=ppt/slides/slide6.xml><?xml version="1.0" encoding="utf-8"?>
+<p:sld xmlns:a="http://schemas.openxmlformats.org/drawingml/2006/main" xmlns:r="http://schemas.openxmlformats.org/officeDocument/2006/relationships" xmlns:p="http://schemas.openxmlformats.org/presentationml/2006/main">
+  <p:cSld>
+    <p:spTree>
+      <p:nvGrpSpPr>
+        <p:cNvPr id="1" name=""/>
+        <p:cNvGrpSpPr/>
+        <p:nvPr/>
+      </p:nvGrpSpPr>
+      <p:grpSpPr>
+        <a:xfrm>
+          <a:off x="0" y="0"/>
+          <a:ext cx="0" cy="0"/>
+          <a:chOff x="0" y="0"/>
+          <a:chExt cx="0" cy="0"/>
+        </a:xfrm>
+      </p:grpSpPr>
+      <p:sp>
+        <p:nvSpPr>
+          <p:cNvPr id="8" name="Rectangle 7">
+            <a:extLst>
+              <a:ext uri="{FF2B5EF4-FFF2-40B4-BE49-F238E27FC236}">
+                <a16:creationId xmlns:a16="http://schemas.microsoft.com/office/drawing/2014/main" id="{4F334E5B-6621-369E-2A97-74385B1A8C53}"/>
+              </a:ext>
+            </a:extLst>
+          </p:cNvPr>
+          <p:cNvSpPr/>
+          <p:nvPr/>
+        </p:nvSpPr>
+        <p:spPr>
+          <a:xfrm>
+            <a:off x="520861" y="1035934"/>
+            <a:ext cx="10897564" cy="995423"/>
+          </a:xfrm>
+          <a:prstGeom prst="rect">
+            <a:avLst/>
+          </a:prstGeom>
+          <a:solidFill>
+            <a:schemeClr val="bg1"/>
+          </a:solidFill>
+          <a:ln>
+            <a:noFill/>
+          </a:ln>
+        </p:spPr>
+        <p:style>
+          <a:lnRef idx="2">
+            <a:schemeClr val="accent1">
+              <a:shade val="15000"/>
+            </a:schemeClr>
+          </a:lnRef>
+          <a:fillRef idx="1">
+            <a:schemeClr val="accent1"/>
+          </a:fillRef>
+          <a:effectRef idx="0">
+            <a:schemeClr val="accent1"/>
+          </a:effectRef>
+          <a:fontRef idx="minor">
+            <a:schemeClr val="lt1"/>
+          </a:fontRef>
+        </p:style>
+        <p:txBody>
+          <a:bodyPr rtlCol="0" anchor="ctr"/>
+          <a:lstStyle/>
+          <a:p>
+            <a:pPr algn="ctr"/>
+            <a:endParaRPr lang="en-US"/>
+          </a:p>
+        </p:txBody>
+      </p:sp>
+      <p:sp>
+        <p:nvSpPr>
+          <p:cNvPr id="9" name="Rectangle 8">
+            <a:extLst>
+              <a:ext uri="{FF2B5EF4-FFF2-40B4-BE49-F238E27FC236}">
+                <a16:creationId xmlns:a16="http://schemas.microsoft.com/office/drawing/2014/main" id="{2A316A44-1742-C27D-EE54-81680BCB306E}"/>
+              </a:ext>
+            </a:extLst>
+          </p:cNvPr>
+          <p:cNvSpPr/>
+          <p:nvPr/>
+        </p:nvSpPr>
+        <p:spPr>
+          <a:xfrm>
+            <a:off x="4743289" y="6217249"/>
+            <a:ext cx="3442417" cy="769441"/>
+          </a:xfrm>
+          <a:prstGeom prst="rect">
+            <a:avLst/>
+          </a:prstGeom>
+          <a:noFill/>
+        </p:spPr>
+        <p:txBody>
+          <a:bodyPr wrap="none" lIns="91440" tIns="45720" rIns="91440" bIns="45720">
+            <a:spAutoFit/>
+          </a:bodyPr>
+          <a:lstStyle/>
+          <a:p>
+            <a:pPr algn="ctr"/>
+            <a:r>
+              <a:rPr lang="en-US" sz="4400" b="1" cap="none" spc="0" dirty="0">
+                <a:ln w="10160">
+                  <a:solidFill>
+                    <a:schemeClr val="accent5"/>
+                  </a:solidFill>
+                  <a:prstDash val="solid"/>
+                </a:ln>
+                <a:solidFill>
+                  <a:srgbClr val="FFFFFF"/>
+                </a:solidFill>
+                <a:effectLst>
+                  <a:outerShdw blurRad="38100" dist="22860" dir="5400000" algn="tl" rotWithShape="0">
+                    <a:srgbClr val="000000">
+                      <a:alpha val="30000"/>
+                    </a:srgbClr>
+                  </a:outerShdw>
+                </a:effectLst>
+              </a:rPr>
+              <a:t>Class Diagram</a:t>
+            </a:r>
+          </a:p>
+        </p:txBody>
+      </p:sp>
+      <p:pic>
+        <p:nvPicPr>
+          <p:cNvPr id="3" name="Picture 2">
+            <a:extLst>
+              <a:ext uri="{FF2B5EF4-FFF2-40B4-BE49-F238E27FC236}">
+                <a16:creationId xmlns:a16="http://schemas.microsoft.com/office/drawing/2014/main" id="{FA7E1586-FBDA-6127-006A-F00A104531CA}"/>
+              </a:ext>
+            </a:extLst>
+          </p:cNvPr>
+          <p:cNvPicPr>
+            <a:picLocks noChangeAspect="1"/>
+          </p:cNvPicPr>
+          <p:nvPr/>
+        </p:nvPicPr>
+        <p:blipFill>
+          <a:blip r:embed="rId2">
+            <a:extLst>
+              <a:ext uri="{28A0092B-C50C-407E-A947-70E740481C1C}">
+                <a14:useLocalDpi xmlns:a14="http://schemas.microsoft.com/office/drawing/2010/main" val="0"/>
+              </a:ext>
+            </a:extLst>
+          </a:blip>
+          <a:stretch>
+            <a:fillRect/>
+          </a:stretch>
+        </p:blipFill>
+        <p:spPr>
+          <a:xfrm>
+            <a:off x="2316457" y="161733"/>
+            <a:ext cx="6533629" cy="5979316"/>
+          </a:xfrm>
+          <a:prstGeom prst="rect">
+            <a:avLst/>
+          </a:prstGeom>
+        </p:spPr>
+      </p:pic>
+    </p:spTree>
+    <p:extLst>
+      <p:ext uri="{BB962C8B-B14F-4D97-AF65-F5344CB8AC3E}">
+        <p14:creationId xmlns:p14="http://schemas.microsoft.com/office/powerpoint/2010/main" val="2035155676"/>
+      </p:ext>
+    </p:extLst>
+  </p:cSld>
+  <p:clrMapOvr>
+    <a:masterClrMapping/>
+  </p:clrMapOvr>
+</p:sld>
+</file>
+
+<file path=ppt/slides/slide7.xml><?xml version="1.0" encoding="utf-8"?>
 <p:sld xmlns:a="http://schemas.openxmlformats.org/drawingml/2006/main" xmlns:r="http://schemas.openxmlformats.org/officeDocument/2006/relationships" xmlns:p="http://schemas.openxmlformats.org/presentationml/2006/main">
   <p:cSld>
     <p:spTree>
@@ -12676,42 +12256,6 @@
           </a:p>
         </p:txBody>
       </p:sp>
-      <p:pic>
-        <p:nvPicPr>
-          <p:cNvPr id="5" name="Picture 4" descr="A diagram of a project&#10;&#10;Description automatically generated with medium confidence">
-            <a:extLst>
-              <a:ext uri="{FF2B5EF4-FFF2-40B4-BE49-F238E27FC236}">
-                <a16:creationId xmlns:a16="http://schemas.microsoft.com/office/drawing/2014/main" id="{86056A08-3DAD-9E70-6BEB-5DEAAD206873}"/>
-              </a:ext>
-            </a:extLst>
-          </p:cNvPr>
-          <p:cNvPicPr>
-            <a:picLocks noChangeAspect="1"/>
-          </p:cNvPicPr>
-          <p:nvPr/>
-        </p:nvPicPr>
-        <p:blipFill>
-          <a:blip r:embed="rId2">
-            <a:extLst>
-              <a:ext uri="{28A0092B-C50C-407E-A947-70E740481C1C}">
-                <a14:useLocalDpi xmlns:a14="http://schemas.microsoft.com/office/drawing/2010/main" val="0"/>
-              </a:ext>
-            </a:extLst>
-          </a:blip>
-          <a:stretch>
-            <a:fillRect/>
-          </a:stretch>
-        </p:blipFill>
-        <p:spPr>
-          <a:xfrm>
-            <a:off x="1570254" y="286602"/>
-            <a:ext cx="9051492" cy="5888491"/>
-          </a:xfrm>
-          <a:prstGeom prst="rect">
-            <a:avLst/>
-          </a:prstGeom>
-        </p:spPr>
-      </p:pic>
       <p:sp>
         <p:nvSpPr>
           <p:cNvPr id="6" name="Rectangle 5">
@@ -12765,6 +12309,42 @@
           </a:p>
         </p:txBody>
       </p:sp>
+      <p:pic>
+        <p:nvPicPr>
+          <p:cNvPr id="3" name="Picture 2">
+            <a:extLst>
+              <a:ext uri="{FF2B5EF4-FFF2-40B4-BE49-F238E27FC236}">
+                <a16:creationId xmlns:a16="http://schemas.microsoft.com/office/drawing/2014/main" id="{02B6FEEB-DFBA-6078-8A8D-33E98BE79895}"/>
+              </a:ext>
+            </a:extLst>
+          </p:cNvPr>
+          <p:cNvPicPr>
+            <a:picLocks noChangeAspect="1"/>
+          </p:cNvPicPr>
+          <p:nvPr/>
+        </p:nvPicPr>
+        <p:blipFill>
+          <a:blip r:embed="rId2">
+            <a:extLst>
+              <a:ext uri="{28A0092B-C50C-407E-A947-70E740481C1C}">
+                <a14:useLocalDpi xmlns:a14="http://schemas.microsoft.com/office/drawing/2010/main" val="0"/>
+              </a:ext>
+            </a:extLst>
+          </a:blip>
+          <a:stretch>
+            <a:fillRect/>
+          </a:stretch>
+        </p:blipFill>
+        <p:spPr>
+          <a:xfrm>
+            <a:off x="1693957" y="0"/>
+            <a:ext cx="8515439" cy="6335486"/>
+          </a:xfrm>
+          <a:prstGeom prst="rect">
+            <a:avLst/>
+          </a:prstGeom>
+        </p:spPr>
+      </p:pic>
     </p:spTree>
     <p:extLst>
       <p:ext uri="{BB962C8B-B14F-4D97-AF65-F5344CB8AC3E}">
@@ -12778,7 +12358,7 @@
 </p:sld>
 </file>
 
-<file path=ppt/slides/slide9.xml><?xml version="1.0" encoding="utf-8"?>
+<file path=ppt/slides/slide8.xml><?xml version="1.0" encoding="utf-8"?>
 <p:sld xmlns:a="http://schemas.openxmlformats.org/drawingml/2006/main" xmlns:r="http://schemas.openxmlformats.org/officeDocument/2006/relationships" xmlns:p="http://schemas.openxmlformats.org/presentationml/2006/main">
   <p:cSld>
     <p:spTree>
@@ -12862,6 +12442,270 @@
     <p:extLst>
       <p:ext uri="{BB962C8B-B14F-4D97-AF65-F5344CB8AC3E}">
         <p14:creationId xmlns:p14="http://schemas.microsoft.com/office/powerpoint/2010/main" val="3524684156"/>
+      </p:ext>
+    </p:extLst>
+  </p:cSld>
+  <p:clrMapOvr>
+    <a:masterClrMapping/>
+  </p:clrMapOvr>
+</p:sld>
+</file>
+
+<file path=ppt/slides/slide9.xml><?xml version="1.0" encoding="utf-8"?>
+<p:sld xmlns:a="http://schemas.openxmlformats.org/drawingml/2006/main" xmlns:r="http://schemas.openxmlformats.org/officeDocument/2006/relationships" xmlns:p="http://schemas.openxmlformats.org/presentationml/2006/main">
+  <p:cSld>
+    <p:spTree>
+      <p:nvGrpSpPr>
+        <p:cNvPr id="1" name=""/>
+        <p:cNvGrpSpPr/>
+        <p:nvPr/>
+      </p:nvGrpSpPr>
+      <p:grpSpPr>
+        <a:xfrm>
+          <a:off x="0" y="0"/>
+          <a:ext cx="0" cy="0"/>
+          <a:chOff x="0" y="0"/>
+          <a:chExt cx="0" cy="0"/>
+        </a:xfrm>
+      </p:grpSpPr>
+      <p:sp>
+        <p:nvSpPr>
+          <p:cNvPr id="2" name="Title 1">
+            <a:extLst>
+              <a:ext uri="{FF2B5EF4-FFF2-40B4-BE49-F238E27FC236}">
+                <a16:creationId xmlns:a16="http://schemas.microsoft.com/office/drawing/2014/main" id="{6892F569-65D6-A2F3-AFB7-C985B055A2BC}"/>
+              </a:ext>
+            </a:extLst>
+          </p:cNvPr>
+          <p:cNvSpPr>
+            <a:spLocks noGrp="1"/>
+          </p:cNvSpPr>
+          <p:nvPr>
+            <p:ph type="title"/>
+          </p:nvPr>
+        </p:nvSpPr>
+        <p:spPr/>
+        <p:txBody>
+          <a:bodyPr/>
+          <a:lstStyle/>
+          <a:p>
+            <a:r>
+              <a:rPr lang="en-US" dirty="0" err="1"/>
+              <a:t>Usecase</a:t>
+            </a:r>
+            <a:r>
+              <a:rPr lang="en-US" dirty="0"/>
+              <a:t> Description: Add Book </a:t>
+            </a:r>
+          </a:p>
+        </p:txBody>
+      </p:sp>
+      <p:graphicFrame>
+        <p:nvGraphicFramePr>
+          <p:cNvPr id="4" name="Table 7">
+            <a:extLst>
+              <a:ext uri="{FF2B5EF4-FFF2-40B4-BE49-F238E27FC236}">
+                <a16:creationId xmlns:a16="http://schemas.microsoft.com/office/drawing/2014/main" id="{CCF1B50C-EA8F-1133-D409-284A60E342F6}"/>
+              </a:ext>
+            </a:extLst>
+          </p:cNvPr>
+          <p:cNvGraphicFramePr>
+            <a:graphicFrameLocks/>
+          </p:cNvGraphicFramePr>
+          <p:nvPr>
+            <p:extLst>
+              <p:ext uri="{D42A27DB-BD31-4B8C-83A1-F6EECF244321}">
+                <p14:modId xmlns:p14="http://schemas.microsoft.com/office/powerpoint/2010/main" val="2033133299"/>
+              </p:ext>
+            </p:extLst>
+          </p:nvPr>
+        </p:nvGraphicFramePr>
+        <p:xfrm>
+          <a:off x="906780" y="1897056"/>
+          <a:ext cx="10378441" cy="3063888"/>
+        </p:xfrm>
+        <a:graphic>
+          <a:graphicData uri="http://schemas.openxmlformats.org/drawingml/2006/table">
+            <a:tbl>
+              <a:tblPr firstRow="1" bandRow="1">
+                <a:tableStyleId>{5C22544A-7EE6-4342-B048-85BDC9FD1C3A}</a:tableStyleId>
+              </a:tblPr>
+              <a:tblGrid>
+                <a:gridCol w="5045685">
+                  <a:extLst>
+                    <a:ext uri="{9D8B030D-6E8A-4147-A177-3AD203B41FA5}">
+                      <a16:colId xmlns:a16="http://schemas.microsoft.com/office/drawing/2014/main" val="3138249905"/>
+                    </a:ext>
+                  </a:extLst>
+                </a:gridCol>
+                <a:gridCol w="5332756">
+                  <a:extLst>
+                    <a:ext uri="{9D8B030D-6E8A-4147-A177-3AD203B41FA5}">
+                      <a16:colId xmlns:a16="http://schemas.microsoft.com/office/drawing/2014/main" val="2553994940"/>
+                    </a:ext>
+                  </a:extLst>
+                </a:gridCol>
+              </a:tblGrid>
+              <a:tr h="534965">
+                <a:tc>
+                  <a:txBody>
+                    <a:bodyPr/>
+                    <a:lstStyle/>
+                    <a:p>
+                      <a:r>
+                        <a:rPr lang="en-US" sz="2400" dirty="0"/>
+                        <a:t>User Action</a:t>
+                      </a:r>
+                    </a:p>
+                  </a:txBody>
+                  <a:tcPr marL="121583" marR="121583" marT="60791" marB="60791"/>
+                </a:tc>
+                <a:tc>
+                  <a:txBody>
+                    <a:bodyPr/>
+                    <a:lstStyle/>
+                    <a:p>
+                      <a:r>
+                        <a:rPr lang="en-US" sz="2400" dirty="0"/>
+                        <a:t>System Response</a:t>
+                      </a:r>
+                    </a:p>
+                  </a:txBody>
+                  <a:tcPr marL="121583" marR="121583" marT="60791" marB="60791"/>
+                </a:tc>
+                <a:extLst>
+                  <a:ext uri="{0D108BD9-81ED-4DB2-BD59-A6C34878D82A}">
+                    <a16:rowId xmlns:a16="http://schemas.microsoft.com/office/drawing/2014/main" val="3952563860"/>
+                  </a:ext>
+                </a:extLst>
+              </a:tr>
+              <a:tr h="899713">
+                <a:tc>
+                  <a:txBody>
+                    <a:bodyPr/>
+                    <a:lstStyle/>
+                    <a:p>
+                      <a:r>
+                        <a:rPr lang="en-US" sz="2400" dirty="0"/>
+                        <a:t>User clicks on Add book button</a:t>
+                      </a:r>
+                    </a:p>
+                  </a:txBody>
+                  <a:tcPr marL="121583" marR="121583" marT="60791" marB="60791"/>
+                </a:tc>
+                <a:tc>
+                  <a:txBody>
+                    <a:bodyPr/>
+                    <a:lstStyle/>
+                    <a:p>
+                      <a:r>
+                        <a:rPr lang="en-US" sz="2400" dirty="0"/>
+                        <a:t>System opens the Add Book dialog</a:t>
+                      </a:r>
+                    </a:p>
+                  </a:txBody>
+                  <a:tcPr marL="121583" marR="121583" marT="60791" marB="60791"/>
+                </a:tc>
+                <a:extLst>
+                  <a:ext uri="{0D108BD9-81ED-4DB2-BD59-A6C34878D82A}">
+                    <a16:rowId xmlns:a16="http://schemas.microsoft.com/office/drawing/2014/main" val="1121593986"/>
+                  </a:ext>
+                </a:extLst>
+              </a:tr>
+              <a:tr h="1629210">
+                <a:tc>
+                  <a:txBody>
+                    <a:bodyPr/>
+                    <a:lstStyle/>
+                    <a:p>
+                      <a:r>
+                        <a:rPr lang="en-US" sz="2400" dirty="0"/>
+                        <a:t>User inputs all the fields and clicks on submit button</a:t>
+                      </a:r>
+                    </a:p>
+                  </a:txBody>
+                  <a:tcPr marL="121583" marR="121583" marT="60791" marB="60791"/>
+                </a:tc>
+                <a:tc>
+                  <a:txBody>
+                    <a:bodyPr/>
+                    <a:lstStyle/>
+                    <a:p>
+                      <a:r>
+                        <a:rPr lang="en-US" sz="2400" dirty="0"/>
+                        <a:t>System validates all the fields, if all the fields are valid then add a new book and close the dialog.</a:t>
+                      </a:r>
+                    </a:p>
+                  </a:txBody>
+                  <a:tcPr marL="121583" marR="121583" marT="60791" marB="60791"/>
+                </a:tc>
+                <a:extLst>
+                  <a:ext uri="{0D108BD9-81ED-4DB2-BD59-A6C34878D82A}">
+                    <a16:rowId xmlns:a16="http://schemas.microsoft.com/office/drawing/2014/main" val="2507440164"/>
+                  </a:ext>
+                </a:extLst>
+              </a:tr>
+            </a:tbl>
+          </a:graphicData>
+        </a:graphic>
+      </p:graphicFrame>
+      <p:sp>
+        <p:nvSpPr>
+          <p:cNvPr id="5" name="Rectangle 4">
+            <a:extLst>
+              <a:ext uri="{FF2B5EF4-FFF2-40B4-BE49-F238E27FC236}">
+                <a16:creationId xmlns:a16="http://schemas.microsoft.com/office/drawing/2014/main" id="{4C462DB1-ADC3-7485-E4CE-022B25BCB229}"/>
+              </a:ext>
+            </a:extLst>
+          </p:cNvPr>
+          <p:cNvSpPr/>
+          <p:nvPr/>
+        </p:nvSpPr>
+        <p:spPr>
+          <a:xfrm>
+            <a:off x="4194258" y="6217249"/>
+            <a:ext cx="4540475" cy="769441"/>
+          </a:xfrm>
+          <a:prstGeom prst="rect">
+            <a:avLst/>
+          </a:prstGeom>
+          <a:noFill/>
+        </p:spPr>
+        <p:txBody>
+          <a:bodyPr wrap="none" lIns="91440" tIns="45720" rIns="91440" bIns="45720">
+            <a:spAutoFit/>
+          </a:bodyPr>
+          <a:lstStyle/>
+          <a:p>
+            <a:pPr algn="ctr"/>
+            <a:r>
+              <a:rPr lang="en-US" sz="4400" b="1" cap="none" spc="0" dirty="0">
+                <a:ln w="10160">
+                  <a:solidFill>
+                    <a:schemeClr val="accent5"/>
+                  </a:solidFill>
+                  <a:prstDash val="solid"/>
+                </a:ln>
+                <a:solidFill>
+                  <a:srgbClr val="FFFFFF"/>
+                </a:solidFill>
+                <a:effectLst>
+                  <a:outerShdw blurRad="38100" dist="22860" dir="5400000" algn="tl" rotWithShape="0">
+                    <a:srgbClr val="000000">
+                      <a:alpha val="30000"/>
+                    </a:srgbClr>
+                  </a:outerShdw>
+                </a:effectLst>
+              </a:rPr>
+              <a:t>Sequence Diagram</a:t>
+            </a:r>
+          </a:p>
+        </p:txBody>
+      </p:sp>
+    </p:spTree>
+    <p:extLst>
+      <p:ext uri="{BB962C8B-B14F-4D97-AF65-F5344CB8AC3E}">
+        <p14:creationId xmlns:p14="http://schemas.microsoft.com/office/powerpoint/2010/main" val="3826020683"/>
       </p:ext>
     </p:extLst>
   </p:cSld>
